--- a/ppt 16-9/1391.主来了叫羊得.pptx
+++ b/ppt 16-9/1391.主来了叫羊得.pptx
@@ -129,7 +129,7 @@
           <p:cNvPr id="2" name="标题 1">
             <a:extLst>
               <a:ext uri="{FF2B5EF4-FFF2-40B4-BE49-F238E27FC236}">
-                <a16:creationId xmlns:a16="http://schemas.microsoft.com/office/drawing/2014/main" id="{91A33207-213D-16DF-EE4F-4B1DF4662789}"/>
+                <a16:creationId xmlns:a16="http://schemas.microsoft.com/office/drawing/2014/main" id="{55FD6E33-B082-03B3-3530-989CFC44490F}"/>
               </a:ext>
             </a:extLst>
           </p:cNvPr>
@@ -166,7 +166,7 @@
           <p:cNvPr id="3" name="副标题 2">
             <a:extLst>
               <a:ext uri="{FF2B5EF4-FFF2-40B4-BE49-F238E27FC236}">
-                <a16:creationId xmlns:a16="http://schemas.microsoft.com/office/drawing/2014/main" id="{4C2D82EB-99D3-7EA0-C439-EDD3CF8DE95F}"/>
+                <a16:creationId xmlns:a16="http://schemas.microsoft.com/office/drawing/2014/main" id="{6F0E4872-130D-39E9-D83E-118C01E59339}"/>
               </a:ext>
             </a:extLst>
           </p:cNvPr>
@@ -236,7 +236,7 @@
           <p:cNvPr id="4" name="日期占位符 3">
             <a:extLst>
               <a:ext uri="{FF2B5EF4-FFF2-40B4-BE49-F238E27FC236}">
-                <a16:creationId xmlns:a16="http://schemas.microsoft.com/office/drawing/2014/main" id="{CA6E1DAB-9421-6B8F-758E-F2BE7FE99548}"/>
+                <a16:creationId xmlns:a16="http://schemas.microsoft.com/office/drawing/2014/main" id="{616CDCC9-CAA7-9915-3B8A-C9601243FA8A}"/>
               </a:ext>
             </a:extLst>
           </p:cNvPr>
@@ -252,7 +252,7 @@
           <a:bodyPr/>
           <a:lstStyle/>
           <a:p>
-            <a:fld id="{D9E577BF-3A92-4451-8FD1-72D63D78ABB6}" type="datetimeFigureOut">
+            <a:fld id="{30CB3DB4-0504-4BEB-B7A4-99F089CF4663}" type="datetimeFigureOut">
               <a:rPr lang="zh-CN" altLang="en-US" smtClean="0"/>
               <a:t>2024/3/10</a:t>
             </a:fld>
@@ -265,7 +265,7 @@
           <p:cNvPr id="5" name="页脚占位符 4">
             <a:extLst>
               <a:ext uri="{FF2B5EF4-FFF2-40B4-BE49-F238E27FC236}">
-                <a16:creationId xmlns:a16="http://schemas.microsoft.com/office/drawing/2014/main" id="{F3594659-57A6-F5E6-C4DA-C3564D2DD196}"/>
+                <a16:creationId xmlns:a16="http://schemas.microsoft.com/office/drawing/2014/main" id="{F1DAE640-A18E-E709-0BDC-7C586F53153A}"/>
               </a:ext>
             </a:extLst>
           </p:cNvPr>
@@ -290,7 +290,7 @@
           <p:cNvPr id="6" name="灯片编号占位符 5">
             <a:extLst>
               <a:ext uri="{FF2B5EF4-FFF2-40B4-BE49-F238E27FC236}">
-                <a16:creationId xmlns:a16="http://schemas.microsoft.com/office/drawing/2014/main" id="{5ED17DF7-BEB8-649A-6991-CC2801B382C1}"/>
+                <a16:creationId xmlns:a16="http://schemas.microsoft.com/office/drawing/2014/main" id="{AE06913B-C019-ED69-7DE5-DFF3314B4BD7}"/>
               </a:ext>
             </a:extLst>
           </p:cNvPr>
@@ -306,7 +306,7 @@
           <a:bodyPr/>
           <a:lstStyle/>
           <a:p>
-            <a:fld id="{ADE56C45-26D3-4785-959B-372B8653A8B8}" type="slidenum">
+            <a:fld id="{83B0A481-A3A6-4872-87C4-D1E2C6E84FD1}" type="slidenum">
               <a:rPr lang="zh-CN" altLang="en-US" smtClean="0"/>
               <a:t>‹#›</a:t>
             </a:fld>
@@ -317,7 +317,7 @@
     </p:spTree>
     <p:extLst>
       <p:ext uri="{BB962C8B-B14F-4D97-AF65-F5344CB8AC3E}">
-        <p14:creationId xmlns:p14="http://schemas.microsoft.com/office/powerpoint/2010/main" val="637375271"/>
+        <p14:creationId xmlns:p14="http://schemas.microsoft.com/office/powerpoint/2010/main" val="2155481543"/>
       </p:ext>
     </p:extLst>
   </p:cSld>
@@ -349,7 +349,7 @@
           <p:cNvPr id="2" name="标题 1">
             <a:extLst>
               <a:ext uri="{FF2B5EF4-FFF2-40B4-BE49-F238E27FC236}">
-                <a16:creationId xmlns:a16="http://schemas.microsoft.com/office/drawing/2014/main" id="{EA729809-3CCB-DC1E-892A-2A6D8288DAB0}"/>
+                <a16:creationId xmlns:a16="http://schemas.microsoft.com/office/drawing/2014/main" id="{E425AFC4-EFB5-A130-F2DB-6CA8C16974AA}"/>
               </a:ext>
             </a:extLst>
           </p:cNvPr>
@@ -377,7 +377,7 @@
           <p:cNvPr id="3" name="竖排文字占位符 2">
             <a:extLst>
               <a:ext uri="{FF2B5EF4-FFF2-40B4-BE49-F238E27FC236}">
-                <a16:creationId xmlns:a16="http://schemas.microsoft.com/office/drawing/2014/main" id="{2C699F00-D2CE-CE12-3AD7-18267F4BDC44}"/>
+                <a16:creationId xmlns:a16="http://schemas.microsoft.com/office/drawing/2014/main" id="{F8623378-0A4E-7C4B-72E9-8CEDC0ABA0D6}"/>
               </a:ext>
             </a:extLst>
           </p:cNvPr>
@@ -434,7 +434,7 @@
           <p:cNvPr id="4" name="日期占位符 3">
             <a:extLst>
               <a:ext uri="{FF2B5EF4-FFF2-40B4-BE49-F238E27FC236}">
-                <a16:creationId xmlns:a16="http://schemas.microsoft.com/office/drawing/2014/main" id="{E69ADFA3-A9F9-1152-48D5-9E98CFE9F8E5}"/>
+                <a16:creationId xmlns:a16="http://schemas.microsoft.com/office/drawing/2014/main" id="{4881948D-E39F-75AA-45F3-61B994958B75}"/>
               </a:ext>
             </a:extLst>
           </p:cNvPr>
@@ -450,7 +450,7 @@
           <a:bodyPr/>
           <a:lstStyle/>
           <a:p>
-            <a:fld id="{D9E577BF-3A92-4451-8FD1-72D63D78ABB6}" type="datetimeFigureOut">
+            <a:fld id="{30CB3DB4-0504-4BEB-B7A4-99F089CF4663}" type="datetimeFigureOut">
               <a:rPr lang="zh-CN" altLang="en-US" smtClean="0"/>
               <a:t>2024/3/10</a:t>
             </a:fld>
@@ -463,7 +463,7 @@
           <p:cNvPr id="5" name="页脚占位符 4">
             <a:extLst>
               <a:ext uri="{FF2B5EF4-FFF2-40B4-BE49-F238E27FC236}">
-                <a16:creationId xmlns:a16="http://schemas.microsoft.com/office/drawing/2014/main" id="{D0A117F9-5964-6D4B-86F6-EC8A84EF464F}"/>
+                <a16:creationId xmlns:a16="http://schemas.microsoft.com/office/drawing/2014/main" id="{B8349FFB-CB93-077C-B847-F0CC548A0844}"/>
               </a:ext>
             </a:extLst>
           </p:cNvPr>
@@ -488,7 +488,7 @@
           <p:cNvPr id="6" name="灯片编号占位符 5">
             <a:extLst>
               <a:ext uri="{FF2B5EF4-FFF2-40B4-BE49-F238E27FC236}">
-                <a16:creationId xmlns:a16="http://schemas.microsoft.com/office/drawing/2014/main" id="{76CC5FCB-E52E-0E92-5CC7-7F7AD14AA407}"/>
+                <a16:creationId xmlns:a16="http://schemas.microsoft.com/office/drawing/2014/main" id="{58C0004C-BC4C-AB0C-7597-B18286351913}"/>
               </a:ext>
             </a:extLst>
           </p:cNvPr>
@@ -504,7 +504,7 @@
           <a:bodyPr/>
           <a:lstStyle/>
           <a:p>
-            <a:fld id="{ADE56C45-26D3-4785-959B-372B8653A8B8}" type="slidenum">
+            <a:fld id="{83B0A481-A3A6-4872-87C4-D1E2C6E84FD1}" type="slidenum">
               <a:rPr lang="zh-CN" altLang="en-US" smtClean="0"/>
               <a:t>‹#›</a:t>
             </a:fld>
@@ -515,7 +515,7 @@
     </p:spTree>
     <p:extLst>
       <p:ext uri="{BB962C8B-B14F-4D97-AF65-F5344CB8AC3E}">
-        <p14:creationId xmlns:p14="http://schemas.microsoft.com/office/powerpoint/2010/main" val="2622102018"/>
+        <p14:creationId xmlns:p14="http://schemas.microsoft.com/office/powerpoint/2010/main" val="327355057"/>
       </p:ext>
     </p:extLst>
   </p:cSld>
@@ -547,7 +547,7 @@
           <p:cNvPr id="2" name="竖排标题 1">
             <a:extLst>
               <a:ext uri="{FF2B5EF4-FFF2-40B4-BE49-F238E27FC236}">
-                <a16:creationId xmlns:a16="http://schemas.microsoft.com/office/drawing/2014/main" id="{FD3BB9DF-C3B2-EBD2-567B-FB18809E750E}"/>
+                <a16:creationId xmlns:a16="http://schemas.microsoft.com/office/drawing/2014/main" id="{85F66BB1-3418-062E-1B86-A037CE63D1D1}"/>
               </a:ext>
             </a:extLst>
           </p:cNvPr>
@@ -580,7 +580,7 @@
           <p:cNvPr id="3" name="竖排文字占位符 2">
             <a:extLst>
               <a:ext uri="{FF2B5EF4-FFF2-40B4-BE49-F238E27FC236}">
-                <a16:creationId xmlns:a16="http://schemas.microsoft.com/office/drawing/2014/main" id="{C2C4DF9B-D0E0-2CCA-4197-EB1ED728AD5C}"/>
+                <a16:creationId xmlns:a16="http://schemas.microsoft.com/office/drawing/2014/main" id="{20EA0819-7AB1-A3E6-5B7B-542F18A72954}"/>
               </a:ext>
             </a:extLst>
           </p:cNvPr>
@@ -642,7 +642,7 @@
           <p:cNvPr id="4" name="日期占位符 3">
             <a:extLst>
               <a:ext uri="{FF2B5EF4-FFF2-40B4-BE49-F238E27FC236}">
-                <a16:creationId xmlns:a16="http://schemas.microsoft.com/office/drawing/2014/main" id="{2B050BC0-405F-8FC8-C855-E606083B9433}"/>
+                <a16:creationId xmlns:a16="http://schemas.microsoft.com/office/drawing/2014/main" id="{C5489EBB-C0E5-4E14-3F62-43D18F298FF9}"/>
               </a:ext>
             </a:extLst>
           </p:cNvPr>
@@ -658,7 +658,7 @@
           <a:bodyPr/>
           <a:lstStyle/>
           <a:p>
-            <a:fld id="{D9E577BF-3A92-4451-8FD1-72D63D78ABB6}" type="datetimeFigureOut">
+            <a:fld id="{30CB3DB4-0504-4BEB-B7A4-99F089CF4663}" type="datetimeFigureOut">
               <a:rPr lang="zh-CN" altLang="en-US" smtClean="0"/>
               <a:t>2024/3/10</a:t>
             </a:fld>
@@ -671,7 +671,7 @@
           <p:cNvPr id="5" name="页脚占位符 4">
             <a:extLst>
               <a:ext uri="{FF2B5EF4-FFF2-40B4-BE49-F238E27FC236}">
-                <a16:creationId xmlns:a16="http://schemas.microsoft.com/office/drawing/2014/main" id="{3C9CAE57-235F-8740-D3F2-9115086CE4C2}"/>
+                <a16:creationId xmlns:a16="http://schemas.microsoft.com/office/drawing/2014/main" id="{E3A7EE47-B4C2-17C7-8D58-6AB62A136544}"/>
               </a:ext>
             </a:extLst>
           </p:cNvPr>
@@ -696,7 +696,7 @@
           <p:cNvPr id="6" name="灯片编号占位符 5">
             <a:extLst>
               <a:ext uri="{FF2B5EF4-FFF2-40B4-BE49-F238E27FC236}">
-                <a16:creationId xmlns:a16="http://schemas.microsoft.com/office/drawing/2014/main" id="{E69D9C69-1ED0-99D5-3182-9D63449D1E9B}"/>
+                <a16:creationId xmlns:a16="http://schemas.microsoft.com/office/drawing/2014/main" id="{6E2D29D4-776D-94FE-9848-D2B67AA066A1}"/>
               </a:ext>
             </a:extLst>
           </p:cNvPr>
@@ -712,7 +712,7 @@
           <a:bodyPr/>
           <a:lstStyle/>
           <a:p>
-            <a:fld id="{ADE56C45-26D3-4785-959B-372B8653A8B8}" type="slidenum">
+            <a:fld id="{83B0A481-A3A6-4872-87C4-D1E2C6E84FD1}" type="slidenum">
               <a:rPr lang="zh-CN" altLang="en-US" smtClean="0"/>
               <a:t>‹#›</a:t>
             </a:fld>
@@ -723,7 +723,7 @@
     </p:spTree>
     <p:extLst>
       <p:ext uri="{BB962C8B-B14F-4D97-AF65-F5344CB8AC3E}">
-        <p14:creationId xmlns:p14="http://schemas.microsoft.com/office/powerpoint/2010/main" val="2226216248"/>
+        <p14:creationId xmlns:p14="http://schemas.microsoft.com/office/powerpoint/2010/main" val="1009527899"/>
       </p:ext>
     </p:extLst>
   </p:cSld>
@@ -755,7 +755,7 @@
           <p:cNvPr id="2" name="标题 1">
             <a:extLst>
               <a:ext uri="{FF2B5EF4-FFF2-40B4-BE49-F238E27FC236}">
-                <a16:creationId xmlns:a16="http://schemas.microsoft.com/office/drawing/2014/main" id="{2A0CADB9-F4FC-5FEE-3748-B42A68057FCC}"/>
+                <a16:creationId xmlns:a16="http://schemas.microsoft.com/office/drawing/2014/main" id="{FBD5FC3A-4C3A-4630-9B05-8EDC7DF7D0C3}"/>
               </a:ext>
             </a:extLst>
           </p:cNvPr>
@@ -783,7 +783,7 @@
           <p:cNvPr id="3" name="内容占位符 2">
             <a:extLst>
               <a:ext uri="{FF2B5EF4-FFF2-40B4-BE49-F238E27FC236}">
-                <a16:creationId xmlns:a16="http://schemas.microsoft.com/office/drawing/2014/main" id="{5EE135A4-079C-DCD2-57D9-193BA2757C80}"/>
+                <a16:creationId xmlns:a16="http://schemas.microsoft.com/office/drawing/2014/main" id="{6E2097BE-99AE-03F2-5CBF-DB9EC168F7C8}"/>
               </a:ext>
             </a:extLst>
           </p:cNvPr>
@@ -840,7 +840,7 @@
           <p:cNvPr id="4" name="日期占位符 3">
             <a:extLst>
               <a:ext uri="{FF2B5EF4-FFF2-40B4-BE49-F238E27FC236}">
-                <a16:creationId xmlns:a16="http://schemas.microsoft.com/office/drawing/2014/main" id="{A55D2FA7-5F7B-0B2D-2020-94E163FA898F}"/>
+                <a16:creationId xmlns:a16="http://schemas.microsoft.com/office/drawing/2014/main" id="{ED72C2DF-FE2C-8A52-2F54-CBE4C97025FA}"/>
               </a:ext>
             </a:extLst>
           </p:cNvPr>
@@ -856,7 +856,7 @@
           <a:bodyPr/>
           <a:lstStyle/>
           <a:p>
-            <a:fld id="{D9E577BF-3A92-4451-8FD1-72D63D78ABB6}" type="datetimeFigureOut">
+            <a:fld id="{30CB3DB4-0504-4BEB-B7A4-99F089CF4663}" type="datetimeFigureOut">
               <a:rPr lang="zh-CN" altLang="en-US" smtClean="0"/>
               <a:t>2024/3/10</a:t>
             </a:fld>
@@ -869,7 +869,7 @@
           <p:cNvPr id="5" name="页脚占位符 4">
             <a:extLst>
               <a:ext uri="{FF2B5EF4-FFF2-40B4-BE49-F238E27FC236}">
-                <a16:creationId xmlns:a16="http://schemas.microsoft.com/office/drawing/2014/main" id="{1340727F-FC35-3468-B03F-B061B8A0D94D}"/>
+                <a16:creationId xmlns:a16="http://schemas.microsoft.com/office/drawing/2014/main" id="{E62B6168-2A7F-4D01-16EB-69659CCDC509}"/>
               </a:ext>
             </a:extLst>
           </p:cNvPr>
@@ -894,7 +894,7 @@
           <p:cNvPr id="6" name="灯片编号占位符 5">
             <a:extLst>
               <a:ext uri="{FF2B5EF4-FFF2-40B4-BE49-F238E27FC236}">
-                <a16:creationId xmlns:a16="http://schemas.microsoft.com/office/drawing/2014/main" id="{58C9928B-BB38-219C-8DF8-A837AD4DE06F}"/>
+                <a16:creationId xmlns:a16="http://schemas.microsoft.com/office/drawing/2014/main" id="{988AFB1A-67D9-FB2C-5240-D17A8A046D96}"/>
               </a:ext>
             </a:extLst>
           </p:cNvPr>
@@ -910,7 +910,7 @@
           <a:bodyPr/>
           <a:lstStyle/>
           <a:p>
-            <a:fld id="{ADE56C45-26D3-4785-959B-372B8653A8B8}" type="slidenum">
+            <a:fld id="{83B0A481-A3A6-4872-87C4-D1E2C6E84FD1}" type="slidenum">
               <a:rPr lang="zh-CN" altLang="en-US" smtClean="0"/>
               <a:t>‹#›</a:t>
             </a:fld>
@@ -921,7 +921,7 @@
     </p:spTree>
     <p:extLst>
       <p:ext uri="{BB962C8B-B14F-4D97-AF65-F5344CB8AC3E}">
-        <p14:creationId xmlns:p14="http://schemas.microsoft.com/office/powerpoint/2010/main" val="1062178352"/>
+        <p14:creationId xmlns:p14="http://schemas.microsoft.com/office/powerpoint/2010/main" val="1509500442"/>
       </p:ext>
     </p:extLst>
   </p:cSld>
@@ -953,7 +953,7 @@
           <p:cNvPr id="2" name="标题 1">
             <a:extLst>
               <a:ext uri="{FF2B5EF4-FFF2-40B4-BE49-F238E27FC236}">
-                <a16:creationId xmlns:a16="http://schemas.microsoft.com/office/drawing/2014/main" id="{9A4E1BE8-E6C6-29E9-CA91-AF69FA49BC90}"/>
+                <a16:creationId xmlns:a16="http://schemas.microsoft.com/office/drawing/2014/main" id="{BC56D920-AD34-B1DC-5CC4-0D12C67B3533}"/>
               </a:ext>
             </a:extLst>
           </p:cNvPr>
@@ -990,7 +990,7 @@
           <p:cNvPr id="3" name="文本占位符 2">
             <a:extLst>
               <a:ext uri="{FF2B5EF4-FFF2-40B4-BE49-F238E27FC236}">
-                <a16:creationId xmlns:a16="http://schemas.microsoft.com/office/drawing/2014/main" id="{224C0D5D-5AD3-B4E2-C261-D700602E3D9C}"/>
+                <a16:creationId xmlns:a16="http://schemas.microsoft.com/office/drawing/2014/main" id="{2FAFBD83-51CB-1F70-32EE-75D97C86CE8F}"/>
               </a:ext>
             </a:extLst>
           </p:cNvPr>
@@ -1115,7 +1115,7 @@
           <p:cNvPr id="4" name="日期占位符 3">
             <a:extLst>
               <a:ext uri="{FF2B5EF4-FFF2-40B4-BE49-F238E27FC236}">
-                <a16:creationId xmlns:a16="http://schemas.microsoft.com/office/drawing/2014/main" id="{80643B0F-802C-829E-E0BE-39F930AA440A}"/>
+                <a16:creationId xmlns:a16="http://schemas.microsoft.com/office/drawing/2014/main" id="{D993F2A0-1273-A06F-15F0-EF2C95AA8D21}"/>
               </a:ext>
             </a:extLst>
           </p:cNvPr>
@@ -1131,7 +1131,7 @@
           <a:bodyPr/>
           <a:lstStyle/>
           <a:p>
-            <a:fld id="{D9E577BF-3A92-4451-8FD1-72D63D78ABB6}" type="datetimeFigureOut">
+            <a:fld id="{30CB3DB4-0504-4BEB-B7A4-99F089CF4663}" type="datetimeFigureOut">
               <a:rPr lang="zh-CN" altLang="en-US" smtClean="0"/>
               <a:t>2024/3/10</a:t>
             </a:fld>
@@ -1144,7 +1144,7 @@
           <p:cNvPr id="5" name="页脚占位符 4">
             <a:extLst>
               <a:ext uri="{FF2B5EF4-FFF2-40B4-BE49-F238E27FC236}">
-                <a16:creationId xmlns:a16="http://schemas.microsoft.com/office/drawing/2014/main" id="{A7D8A722-7BE6-9552-7E8B-6E7D6FCD26F1}"/>
+                <a16:creationId xmlns:a16="http://schemas.microsoft.com/office/drawing/2014/main" id="{30242918-F833-C08B-3727-D1E82E4FE0D8}"/>
               </a:ext>
             </a:extLst>
           </p:cNvPr>
@@ -1169,7 +1169,7 @@
           <p:cNvPr id="6" name="灯片编号占位符 5">
             <a:extLst>
               <a:ext uri="{FF2B5EF4-FFF2-40B4-BE49-F238E27FC236}">
-                <a16:creationId xmlns:a16="http://schemas.microsoft.com/office/drawing/2014/main" id="{B3131EBF-7D5A-20AF-17CA-B7990097E3CC}"/>
+                <a16:creationId xmlns:a16="http://schemas.microsoft.com/office/drawing/2014/main" id="{4F3A05C9-9913-2594-A3D7-571C1C1FF286}"/>
               </a:ext>
             </a:extLst>
           </p:cNvPr>
@@ -1185,7 +1185,7 @@
           <a:bodyPr/>
           <a:lstStyle/>
           <a:p>
-            <a:fld id="{ADE56C45-26D3-4785-959B-372B8653A8B8}" type="slidenum">
+            <a:fld id="{83B0A481-A3A6-4872-87C4-D1E2C6E84FD1}" type="slidenum">
               <a:rPr lang="zh-CN" altLang="en-US" smtClean="0"/>
               <a:t>‹#›</a:t>
             </a:fld>
@@ -1196,7 +1196,7 @@
     </p:spTree>
     <p:extLst>
       <p:ext uri="{BB962C8B-B14F-4D97-AF65-F5344CB8AC3E}">
-        <p14:creationId xmlns:p14="http://schemas.microsoft.com/office/powerpoint/2010/main" val="3640588007"/>
+        <p14:creationId xmlns:p14="http://schemas.microsoft.com/office/powerpoint/2010/main" val="1220861740"/>
       </p:ext>
     </p:extLst>
   </p:cSld>
@@ -1228,7 +1228,7 @@
           <p:cNvPr id="2" name="标题 1">
             <a:extLst>
               <a:ext uri="{FF2B5EF4-FFF2-40B4-BE49-F238E27FC236}">
-                <a16:creationId xmlns:a16="http://schemas.microsoft.com/office/drawing/2014/main" id="{59FCC43B-7026-5729-4D7F-CD26AC8CDED8}"/>
+                <a16:creationId xmlns:a16="http://schemas.microsoft.com/office/drawing/2014/main" id="{6835A02E-7373-5A09-4E1B-D55ED9C286ED}"/>
               </a:ext>
             </a:extLst>
           </p:cNvPr>
@@ -1256,7 +1256,7 @@
           <p:cNvPr id="3" name="内容占位符 2">
             <a:extLst>
               <a:ext uri="{FF2B5EF4-FFF2-40B4-BE49-F238E27FC236}">
-                <a16:creationId xmlns:a16="http://schemas.microsoft.com/office/drawing/2014/main" id="{136025DF-3511-9822-48D6-7290F4A71449}"/>
+                <a16:creationId xmlns:a16="http://schemas.microsoft.com/office/drawing/2014/main" id="{6D6F1ABF-E080-9FD2-F491-D528554C04EE}"/>
               </a:ext>
             </a:extLst>
           </p:cNvPr>
@@ -1318,7 +1318,7 @@
           <p:cNvPr id="4" name="内容占位符 3">
             <a:extLst>
               <a:ext uri="{FF2B5EF4-FFF2-40B4-BE49-F238E27FC236}">
-                <a16:creationId xmlns:a16="http://schemas.microsoft.com/office/drawing/2014/main" id="{1E16C65F-02C0-734B-C6E5-A656C318C4B6}"/>
+                <a16:creationId xmlns:a16="http://schemas.microsoft.com/office/drawing/2014/main" id="{1D5ABB7C-1CA0-06CB-4485-75F1023663D5}"/>
               </a:ext>
             </a:extLst>
           </p:cNvPr>
@@ -1380,7 +1380,7 @@
           <p:cNvPr id="5" name="日期占位符 4">
             <a:extLst>
               <a:ext uri="{FF2B5EF4-FFF2-40B4-BE49-F238E27FC236}">
-                <a16:creationId xmlns:a16="http://schemas.microsoft.com/office/drawing/2014/main" id="{28E37D05-06BC-D098-473F-DD1B98780181}"/>
+                <a16:creationId xmlns:a16="http://schemas.microsoft.com/office/drawing/2014/main" id="{017CE14F-5093-D397-D7C4-994FDE53CC62}"/>
               </a:ext>
             </a:extLst>
           </p:cNvPr>
@@ -1396,7 +1396,7 @@
           <a:bodyPr/>
           <a:lstStyle/>
           <a:p>
-            <a:fld id="{D9E577BF-3A92-4451-8FD1-72D63D78ABB6}" type="datetimeFigureOut">
+            <a:fld id="{30CB3DB4-0504-4BEB-B7A4-99F089CF4663}" type="datetimeFigureOut">
               <a:rPr lang="zh-CN" altLang="en-US" smtClean="0"/>
               <a:t>2024/3/10</a:t>
             </a:fld>
@@ -1409,7 +1409,7 @@
           <p:cNvPr id="6" name="页脚占位符 5">
             <a:extLst>
               <a:ext uri="{FF2B5EF4-FFF2-40B4-BE49-F238E27FC236}">
-                <a16:creationId xmlns:a16="http://schemas.microsoft.com/office/drawing/2014/main" id="{CE9C3627-6939-DBAE-E1A7-3966A34DA2E3}"/>
+                <a16:creationId xmlns:a16="http://schemas.microsoft.com/office/drawing/2014/main" id="{948D446A-914A-7754-F39F-FD43A03C6497}"/>
               </a:ext>
             </a:extLst>
           </p:cNvPr>
@@ -1434,7 +1434,7 @@
           <p:cNvPr id="7" name="灯片编号占位符 6">
             <a:extLst>
               <a:ext uri="{FF2B5EF4-FFF2-40B4-BE49-F238E27FC236}">
-                <a16:creationId xmlns:a16="http://schemas.microsoft.com/office/drawing/2014/main" id="{0A1F332B-EC9B-15D6-BDF1-FD2D82E81F7C}"/>
+                <a16:creationId xmlns:a16="http://schemas.microsoft.com/office/drawing/2014/main" id="{C79AE59C-BA23-5E71-E8AC-F7DE788D84F3}"/>
               </a:ext>
             </a:extLst>
           </p:cNvPr>
@@ -1450,7 +1450,7 @@
           <a:bodyPr/>
           <a:lstStyle/>
           <a:p>
-            <a:fld id="{ADE56C45-26D3-4785-959B-372B8653A8B8}" type="slidenum">
+            <a:fld id="{83B0A481-A3A6-4872-87C4-D1E2C6E84FD1}" type="slidenum">
               <a:rPr lang="zh-CN" altLang="en-US" smtClean="0"/>
               <a:t>‹#›</a:t>
             </a:fld>
@@ -1461,7 +1461,7 @@
     </p:spTree>
     <p:extLst>
       <p:ext uri="{BB962C8B-B14F-4D97-AF65-F5344CB8AC3E}">
-        <p14:creationId xmlns:p14="http://schemas.microsoft.com/office/powerpoint/2010/main" val="604871179"/>
+        <p14:creationId xmlns:p14="http://schemas.microsoft.com/office/powerpoint/2010/main" val="2757042186"/>
       </p:ext>
     </p:extLst>
   </p:cSld>
@@ -1493,7 +1493,7 @@
           <p:cNvPr id="2" name="标题 1">
             <a:extLst>
               <a:ext uri="{FF2B5EF4-FFF2-40B4-BE49-F238E27FC236}">
-                <a16:creationId xmlns:a16="http://schemas.microsoft.com/office/drawing/2014/main" id="{1A211E49-4EFB-766A-D5B8-69DB6DC77E75}"/>
+                <a16:creationId xmlns:a16="http://schemas.microsoft.com/office/drawing/2014/main" id="{BE847FA6-4F0F-7A09-AC05-E89809D7042C}"/>
               </a:ext>
             </a:extLst>
           </p:cNvPr>
@@ -1526,7 +1526,7 @@
           <p:cNvPr id="3" name="文本占位符 2">
             <a:extLst>
               <a:ext uri="{FF2B5EF4-FFF2-40B4-BE49-F238E27FC236}">
-                <a16:creationId xmlns:a16="http://schemas.microsoft.com/office/drawing/2014/main" id="{05573501-FD1A-D651-1D14-4FCD56DCA226}"/>
+                <a16:creationId xmlns:a16="http://schemas.microsoft.com/office/drawing/2014/main" id="{1A7AD823-1A6B-3B48-E582-BE1D2A67FAED}"/>
               </a:ext>
             </a:extLst>
           </p:cNvPr>
@@ -1597,7 +1597,7 @@
           <p:cNvPr id="4" name="内容占位符 3">
             <a:extLst>
               <a:ext uri="{FF2B5EF4-FFF2-40B4-BE49-F238E27FC236}">
-                <a16:creationId xmlns:a16="http://schemas.microsoft.com/office/drawing/2014/main" id="{1A538799-25FF-6D82-3780-F8DAE043D5FC}"/>
+                <a16:creationId xmlns:a16="http://schemas.microsoft.com/office/drawing/2014/main" id="{0B554577-2D65-2827-898B-C53319D25CE5}"/>
               </a:ext>
             </a:extLst>
           </p:cNvPr>
@@ -1659,7 +1659,7 @@
           <p:cNvPr id="5" name="文本占位符 4">
             <a:extLst>
               <a:ext uri="{FF2B5EF4-FFF2-40B4-BE49-F238E27FC236}">
-                <a16:creationId xmlns:a16="http://schemas.microsoft.com/office/drawing/2014/main" id="{077873AF-27D1-B717-9CF9-9C9EB6068F06}"/>
+                <a16:creationId xmlns:a16="http://schemas.microsoft.com/office/drawing/2014/main" id="{3AD84C68-4B5B-492A-EFE8-40E19565987E}"/>
               </a:ext>
             </a:extLst>
           </p:cNvPr>
@@ -1730,7 +1730,7 @@
           <p:cNvPr id="6" name="内容占位符 5">
             <a:extLst>
               <a:ext uri="{FF2B5EF4-FFF2-40B4-BE49-F238E27FC236}">
-                <a16:creationId xmlns:a16="http://schemas.microsoft.com/office/drawing/2014/main" id="{A67EA83D-4226-A09F-F01B-0F75E0D08135}"/>
+                <a16:creationId xmlns:a16="http://schemas.microsoft.com/office/drawing/2014/main" id="{379C64B2-EF57-891A-88D2-BFD275351212}"/>
               </a:ext>
             </a:extLst>
           </p:cNvPr>
@@ -1792,7 +1792,7 @@
           <p:cNvPr id="7" name="日期占位符 6">
             <a:extLst>
               <a:ext uri="{FF2B5EF4-FFF2-40B4-BE49-F238E27FC236}">
-                <a16:creationId xmlns:a16="http://schemas.microsoft.com/office/drawing/2014/main" id="{C2C7EAAE-22FB-02EA-8CE7-207C26ADD883}"/>
+                <a16:creationId xmlns:a16="http://schemas.microsoft.com/office/drawing/2014/main" id="{F7ED13C5-78F8-A71E-B054-94BFA6983E72}"/>
               </a:ext>
             </a:extLst>
           </p:cNvPr>
@@ -1808,7 +1808,7 @@
           <a:bodyPr/>
           <a:lstStyle/>
           <a:p>
-            <a:fld id="{D9E577BF-3A92-4451-8FD1-72D63D78ABB6}" type="datetimeFigureOut">
+            <a:fld id="{30CB3DB4-0504-4BEB-B7A4-99F089CF4663}" type="datetimeFigureOut">
               <a:rPr lang="zh-CN" altLang="en-US" smtClean="0"/>
               <a:t>2024/3/10</a:t>
             </a:fld>
@@ -1821,7 +1821,7 @@
           <p:cNvPr id="8" name="页脚占位符 7">
             <a:extLst>
               <a:ext uri="{FF2B5EF4-FFF2-40B4-BE49-F238E27FC236}">
-                <a16:creationId xmlns:a16="http://schemas.microsoft.com/office/drawing/2014/main" id="{327565CF-46F1-4A05-764A-48E3B8C43D61}"/>
+                <a16:creationId xmlns:a16="http://schemas.microsoft.com/office/drawing/2014/main" id="{6FF72720-6D52-CB6C-A701-141FE262AA9F}"/>
               </a:ext>
             </a:extLst>
           </p:cNvPr>
@@ -1846,7 +1846,7 @@
           <p:cNvPr id="9" name="灯片编号占位符 8">
             <a:extLst>
               <a:ext uri="{FF2B5EF4-FFF2-40B4-BE49-F238E27FC236}">
-                <a16:creationId xmlns:a16="http://schemas.microsoft.com/office/drawing/2014/main" id="{ADD46859-06AB-34F6-DC4F-778B4A08F3AB}"/>
+                <a16:creationId xmlns:a16="http://schemas.microsoft.com/office/drawing/2014/main" id="{419BDDDF-C599-5E15-3847-B2689ADDC453}"/>
               </a:ext>
             </a:extLst>
           </p:cNvPr>
@@ -1862,7 +1862,7 @@
           <a:bodyPr/>
           <a:lstStyle/>
           <a:p>
-            <a:fld id="{ADE56C45-26D3-4785-959B-372B8653A8B8}" type="slidenum">
+            <a:fld id="{83B0A481-A3A6-4872-87C4-D1E2C6E84FD1}" type="slidenum">
               <a:rPr lang="zh-CN" altLang="en-US" smtClean="0"/>
               <a:t>‹#›</a:t>
             </a:fld>
@@ -1873,7 +1873,7 @@
     </p:spTree>
     <p:extLst>
       <p:ext uri="{BB962C8B-B14F-4D97-AF65-F5344CB8AC3E}">
-        <p14:creationId xmlns:p14="http://schemas.microsoft.com/office/powerpoint/2010/main" val="2240467474"/>
+        <p14:creationId xmlns:p14="http://schemas.microsoft.com/office/powerpoint/2010/main" val="2629642469"/>
       </p:ext>
     </p:extLst>
   </p:cSld>
@@ -1905,7 +1905,7 @@
           <p:cNvPr id="2" name="标题 1">
             <a:extLst>
               <a:ext uri="{FF2B5EF4-FFF2-40B4-BE49-F238E27FC236}">
-                <a16:creationId xmlns:a16="http://schemas.microsoft.com/office/drawing/2014/main" id="{22492547-2A1E-00CF-B28E-EB7C3DF5F5FB}"/>
+                <a16:creationId xmlns:a16="http://schemas.microsoft.com/office/drawing/2014/main" id="{98444F52-4415-1A4A-7B05-AF3059794B0B}"/>
               </a:ext>
             </a:extLst>
           </p:cNvPr>
@@ -1933,7 +1933,7 @@
           <p:cNvPr id="3" name="日期占位符 2">
             <a:extLst>
               <a:ext uri="{FF2B5EF4-FFF2-40B4-BE49-F238E27FC236}">
-                <a16:creationId xmlns:a16="http://schemas.microsoft.com/office/drawing/2014/main" id="{3A00838D-BDE5-4059-F56C-16C837806758}"/>
+                <a16:creationId xmlns:a16="http://schemas.microsoft.com/office/drawing/2014/main" id="{C12294FF-8082-FF38-BC7A-5DF4E40D9BCE}"/>
               </a:ext>
             </a:extLst>
           </p:cNvPr>
@@ -1949,7 +1949,7 @@
           <a:bodyPr/>
           <a:lstStyle/>
           <a:p>
-            <a:fld id="{D9E577BF-3A92-4451-8FD1-72D63D78ABB6}" type="datetimeFigureOut">
+            <a:fld id="{30CB3DB4-0504-4BEB-B7A4-99F089CF4663}" type="datetimeFigureOut">
               <a:rPr lang="zh-CN" altLang="en-US" smtClean="0"/>
               <a:t>2024/3/10</a:t>
             </a:fld>
@@ -1962,7 +1962,7 @@
           <p:cNvPr id="4" name="页脚占位符 3">
             <a:extLst>
               <a:ext uri="{FF2B5EF4-FFF2-40B4-BE49-F238E27FC236}">
-                <a16:creationId xmlns:a16="http://schemas.microsoft.com/office/drawing/2014/main" id="{700CF8FF-6157-73AB-250B-982BE523CBC3}"/>
+                <a16:creationId xmlns:a16="http://schemas.microsoft.com/office/drawing/2014/main" id="{9CAB1E53-B51D-20B8-6F93-F56CCD39C2CD}"/>
               </a:ext>
             </a:extLst>
           </p:cNvPr>
@@ -1987,7 +1987,7 @@
           <p:cNvPr id="5" name="灯片编号占位符 4">
             <a:extLst>
               <a:ext uri="{FF2B5EF4-FFF2-40B4-BE49-F238E27FC236}">
-                <a16:creationId xmlns:a16="http://schemas.microsoft.com/office/drawing/2014/main" id="{54F6294D-A501-CDD9-6784-BE13437EFF52}"/>
+                <a16:creationId xmlns:a16="http://schemas.microsoft.com/office/drawing/2014/main" id="{AD526930-D8E5-C0C3-B0C1-7F1D0F143C61}"/>
               </a:ext>
             </a:extLst>
           </p:cNvPr>
@@ -2003,7 +2003,7 @@
           <a:bodyPr/>
           <a:lstStyle/>
           <a:p>
-            <a:fld id="{ADE56C45-26D3-4785-959B-372B8653A8B8}" type="slidenum">
+            <a:fld id="{83B0A481-A3A6-4872-87C4-D1E2C6E84FD1}" type="slidenum">
               <a:rPr lang="zh-CN" altLang="en-US" smtClean="0"/>
               <a:t>‹#›</a:t>
             </a:fld>
@@ -2014,7 +2014,7 @@
     </p:spTree>
     <p:extLst>
       <p:ext uri="{BB962C8B-B14F-4D97-AF65-F5344CB8AC3E}">
-        <p14:creationId xmlns:p14="http://schemas.microsoft.com/office/powerpoint/2010/main" val="3052912152"/>
+        <p14:creationId xmlns:p14="http://schemas.microsoft.com/office/powerpoint/2010/main" val="1562457752"/>
       </p:ext>
     </p:extLst>
   </p:cSld>
@@ -2046,7 +2046,7 @@
           <p:cNvPr id="2" name="日期占位符 1">
             <a:extLst>
               <a:ext uri="{FF2B5EF4-FFF2-40B4-BE49-F238E27FC236}">
-                <a16:creationId xmlns:a16="http://schemas.microsoft.com/office/drawing/2014/main" id="{0D62BEB5-BA60-5017-7DF2-57F277E3EAC6}"/>
+                <a16:creationId xmlns:a16="http://schemas.microsoft.com/office/drawing/2014/main" id="{D8539827-76C0-21A9-6786-A35C8BD339D5}"/>
               </a:ext>
             </a:extLst>
           </p:cNvPr>
@@ -2062,7 +2062,7 @@
           <a:bodyPr/>
           <a:lstStyle/>
           <a:p>
-            <a:fld id="{D9E577BF-3A92-4451-8FD1-72D63D78ABB6}" type="datetimeFigureOut">
+            <a:fld id="{30CB3DB4-0504-4BEB-B7A4-99F089CF4663}" type="datetimeFigureOut">
               <a:rPr lang="zh-CN" altLang="en-US" smtClean="0"/>
               <a:t>2024/3/10</a:t>
             </a:fld>
@@ -2075,7 +2075,7 @@
           <p:cNvPr id="3" name="页脚占位符 2">
             <a:extLst>
               <a:ext uri="{FF2B5EF4-FFF2-40B4-BE49-F238E27FC236}">
-                <a16:creationId xmlns:a16="http://schemas.microsoft.com/office/drawing/2014/main" id="{15C0AAD0-2E88-38F8-567F-C4E1D705CCDE}"/>
+                <a16:creationId xmlns:a16="http://schemas.microsoft.com/office/drawing/2014/main" id="{0845602B-8033-9596-D587-D38819A72B46}"/>
               </a:ext>
             </a:extLst>
           </p:cNvPr>
@@ -2100,7 +2100,7 @@
           <p:cNvPr id="4" name="灯片编号占位符 3">
             <a:extLst>
               <a:ext uri="{FF2B5EF4-FFF2-40B4-BE49-F238E27FC236}">
-                <a16:creationId xmlns:a16="http://schemas.microsoft.com/office/drawing/2014/main" id="{68E88F70-6D9F-ED34-9F61-5242E8D90DBC}"/>
+                <a16:creationId xmlns:a16="http://schemas.microsoft.com/office/drawing/2014/main" id="{39A7EC2F-39DE-5276-EA3B-E6E0A2E7E02F}"/>
               </a:ext>
             </a:extLst>
           </p:cNvPr>
@@ -2116,7 +2116,7 @@
           <a:bodyPr/>
           <a:lstStyle/>
           <a:p>
-            <a:fld id="{ADE56C45-26D3-4785-959B-372B8653A8B8}" type="slidenum">
+            <a:fld id="{83B0A481-A3A6-4872-87C4-D1E2C6E84FD1}" type="slidenum">
               <a:rPr lang="zh-CN" altLang="en-US" smtClean="0"/>
               <a:t>‹#›</a:t>
             </a:fld>
@@ -2127,7 +2127,7 @@
     </p:spTree>
     <p:extLst>
       <p:ext uri="{BB962C8B-B14F-4D97-AF65-F5344CB8AC3E}">
-        <p14:creationId xmlns:p14="http://schemas.microsoft.com/office/powerpoint/2010/main" val="3401391326"/>
+        <p14:creationId xmlns:p14="http://schemas.microsoft.com/office/powerpoint/2010/main" val="35855192"/>
       </p:ext>
     </p:extLst>
   </p:cSld>
@@ -2159,7 +2159,7 @@
           <p:cNvPr id="2" name="标题 1">
             <a:extLst>
               <a:ext uri="{FF2B5EF4-FFF2-40B4-BE49-F238E27FC236}">
-                <a16:creationId xmlns:a16="http://schemas.microsoft.com/office/drawing/2014/main" id="{7DFD0818-3FBD-F934-6AB0-9310B784CE04}"/>
+                <a16:creationId xmlns:a16="http://schemas.microsoft.com/office/drawing/2014/main" id="{919A0500-872C-64D3-F91C-1B664A28885E}"/>
               </a:ext>
             </a:extLst>
           </p:cNvPr>
@@ -2196,7 +2196,7 @@
           <p:cNvPr id="3" name="内容占位符 2">
             <a:extLst>
               <a:ext uri="{FF2B5EF4-FFF2-40B4-BE49-F238E27FC236}">
-                <a16:creationId xmlns:a16="http://schemas.microsoft.com/office/drawing/2014/main" id="{33DCDD6F-25AD-162C-3A5C-C3D08A1654D5}"/>
+                <a16:creationId xmlns:a16="http://schemas.microsoft.com/office/drawing/2014/main" id="{4BEFB7BB-8F20-376B-F726-F67D529E5057}"/>
               </a:ext>
             </a:extLst>
           </p:cNvPr>
@@ -2286,7 +2286,7 @@
           <p:cNvPr id="4" name="文本占位符 3">
             <a:extLst>
               <a:ext uri="{FF2B5EF4-FFF2-40B4-BE49-F238E27FC236}">
-                <a16:creationId xmlns:a16="http://schemas.microsoft.com/office/drawing/2014/main" id="{56B53A8D-E88F-35B7-CDEF-FF4D1C2408F5}"/>
+                <a16:creationId xmlns:a16="http://schemas.microsoft.com/office/drawing/2014/main" id="{A219977D-578A-9965-D5DB-120C80DEBCE9}"/>
               </a:ext>
             </a:extLst>
           </p:cNvPr>
@@ -2357,7 +2357,7 @@
           <p:cNvPr id="5" name="日期占位符 4">
             <a:extLst>
               <a:ext uri="{FF2B5EF4-FFF2-40B4-BE49-F238E27FC236}">
-                <a16:creationId xmlns:a16="http://schemas.microsoft.com/office/drawing/2014/main" id="{8594888B-946D-5EF3-192D-BB06AD9E1CC5}"/>
+                <a16:creationId xmlns:a16="http://schemas.microsoft.com/office/drawing/2014/main" id="{E6234D82-FCE0-4BD9-ADF8-8B987DDB213A}"/>
               </a:ext>
             </a:extLst>
           </p:cNvPr>
@@ -2373,7 +2373,7 @@
           <a:bodyPr/>
           <a:lstStyle/>
           <a:p>
-            <a:fld id="{D9E577BF-3A92-4451-8FD1-72D63D78ABB6}" type="datetimeFigureOut">
+            <a:fld id="{30CB3DB4-0504-4BEB-B7A4-99F089CF4663}" type="datetimeFigureOut">
               <a:rPr lang="zh-CN" altLang="en-US" smtClean="0"/>
               <a:t>2024/3/10</a:t>
             </a:fld>
@@ -2386,7 +2386,7 @@
           <p:cNvPr id="6" name="页脚占位符 5">
             <a:extLst>
               <a:ext uri="{FF2B5EF4-FFF2-40B4-BE49-F238E27FC236}">
-                <a16:creationId xmlns:a16="http://schemas.microsoft.com/office/drawing/2014/main" id="{7786AD94-455F-4062-8291-4A12F5E89369}"/>
+                <a16:creationId xmlns:a16="http://schemas.microsoft.com/office/drawing/2014/main" id="{BAA4BEC2-7E6B-FD56-1A93-6F0D68C795DA}"/>
               </a:ext>
             </a:extLst>
           </p:cNvPr>
@@ -2411,7 +2411,7 @@
           <p:cNvPr id="7" name="灯片编号占位符 6">
             <a:extLst>
               <a:ext uri="{FF2B5EF4-FFF2-40B4-BE49-F238E27FC236}">
-                <a16:creationId xmlns:a16="http://schemas.microsoft.com/office/drawing/2014/main" id="{AF79821A-9317-BEF0-DFE6-812BDF181D66}"/>
+                <a16:creationId xmlns:a16="http://schemas.microsoft.com/office/drawing/2014/main" id="{871BF16C-93B9-C830-5794-6C6848590E3C}"/>
               </a:ext>
             </a:extLst>
           </p:cNvPr>
@@ -2427,7 +2427,7 @@
           <a:bodyPr/>
           <a:lstStyle/>
           <a:p>
-            <a:fld id="{ADE56C45-26D3-4785-959B-372B8653A8B8}" type="slidenum">
+            <a:fld id="{83B0A481-A3A6-4872-87C4-D1E2C6E84FD1}" type="slidenum">
               <a:rPr lang="zh-CN" altLang="en-US" smtClean="0"/>
               <a:t>‹#›</a:t>
             </a:fld>
@@ -2438,7 +2438,7 @@
     </p:spTree>
     <p:extLst>
       <p:ext uri="{BB962C8B-B14F-4D97-AF65-F5344CB8AC3E}">
-        <p14:creationId xmlns:p14="http://schemas.microsoft.com/office/powerpoint/2010/main" val="1141557333"/>
+        <p14:creationId xmlns:p14="http://schemas.microsoft.com/office/powerpoint/2010/main" val="1538919496"/>
       </p:ext>
     </p:extLst>
   </p:cSld>
@@ -2470,7 +2470,7 @@
           <p:cNvPr id="2" name="标题 1">
             <a:extLst>
               <a:ext uri="{FF2B5EF4-FFF2-40B4-BE49-F238E27FC236}">
-                <a16:creationId xmlns:a16="http://schemas.microsoft.com/office/drawing/2014/main" id="{F71B8B91-C1E0-B981-0C41-DE32FAE83DAA}"/>
+                <a16:creationId xmlns:a16="http://schemas.microsoft.com/office/drawing/2014/main" id="{60F03DAB-6E11-DC47-DE08-AAD3BD1F6F74}"/>
               </a:ext>
             </a:extLst>
           </p:cNvPr>
@@ -2507,7 +2507,7 @@
           <p:cNvPr id="3" name="图片占位符 2">
             <a:extLst>
               <a:ext uri="{FF2B5EF4-FFF2-40B4-BE49-F238E27FC236}">
-                <a16:creationId xmlns:a16="http://schemas.microsoft.com/office/drawing/2014/main" id="{7825642D-7EC1-BBD9-BE00-498BBC4F66FD}"/>
+                <a16:creationId xmlns:a16="http://schemas.microsoft.com/office/drawing/2014/main" id="{2E7C0B12-3E40-576F-020C-1F6C5C241D2C}"/>
               </a:ext>
             </a:extLst>
           </p:cNvPr>
@@ -2574,7 +2574,7 @@
           <p:cNvPr id="4" name="文本占位符 3">
             <a:extLst>
               <a:ext uri="{FF2B5EF4-FFF2-40B4-BE49-F238E27FC236}">
-                <a16:creationId xmlns:a16="http://schemas.microsoft.com/office/drawing/2014/main" id="{E665D281-46D1-E9FF-DC20-9212A569DFFC}"/>
+                <a16:creationId xmlns:a16="http://schemas.microsoft.com/office/drawing/2014/main" id="{6B228C36-730C-75D3-DF63-3F6E1BB256BD}"/>
               </a:ext>
             </a:extLst>
           </p:cNvPr>
@@ -2645,7 +2645,7 @@
           <p:cNvPr id="5" name="日期占位符 4">
             <a:extLst>
               <a:ext uri="{FF2B5EF4-FFF2-40B4-BE49-F238E27FC236}">
-                <a16:creationId xmlns:a16="http://schemas.microsoft.com/office/drawing/2014/main" id="{9834DF5F-C465-D9BD-46FF-FDA7628D90E3}"/>
+                <a16:creationId xmlns:a16="http://schemas.microsoft.com/office/drawing/2014/main" id="{FACD807E-B352-3DD7-78BB-F9EE65B73103}"/>
               </a:ext>
             </a:extLst>
           </p:cNvPr>
@@ -2661,7 +2661,7 @@
           <a:bodyPr/>
           <a:lstStyle/>
           <a:p>
-            <a:fld id="{D9E577BF-3A92-4451-8FD1-72D63D78ABB6}" type="datetimeFigureOut">
+            <a:fld id="{30CB3DB4-0504-4BEB-B7A4-99F089CF4663}" type="datetimeFigureOut">
               <a:rPr lang="zh-CN" altLang="en-US" smtClean="0"/>
               <a:t>2024/3/10</a:t>
             </a:fld>
@@ -2674,7 +2674,7 @@
           <p:cNvPr id="6" name="页脚占位符 5">
             <a:extLst>
               <a:ext uri="{FF2B5EF4-FFF2-40B4-BE49-F238E27FC236}">
-                <a16:creationId xmlns:a16="http://schemas.microsoft.com/office/drawing/2014/main" id="{8BF31992-78FA-BBB5-9B50-E3DCF26FB478}"/>
+                <a16:creationId xmlns:a16="http://schemas.microsoft.com/office/drawing/2014/main" id="{CD858E59-8AAF-3183-E5AD-DA447A14B6E5}"/>
               </a:ext>
             </a:extLst>
           </p:cNvPr>
@@ -2699,7 +2699,7 @@
           <p:cNvPr id="7" name="灯片编号占位符 6">
             <a:extLst>
               <a:ext uri="{FF2B5EF4-FFF2-40B4-BE49-F238E27FC236}">
-                <a16:creationId xmlns:a16="http://schemas.microsoft.com/office/drawing/2014/main" id="{269A1755-B850-FF69-03A2-5597662DD5A9}"/>
+                <a16:creationId xmlns:a16="http://schemas.microsoft.com/office/drawing/2014/main" id="{C86019DF-AE04-832F-B91A-F1057ACCEE48}"/>
               </a:ext>
             </a:extLst>
           </p:cNvPr>
@@ -2715,7 +2715,7 @@
           <a:bodyPr/>
           <a:lstStyle/>
           <a:p>
-            <a:fld id="{ADE56C45-26D3-4785-959B-372B8653A8B8}" type="slidenum">
+            <a:fld id="{83B0A481-A3A6-4872-87C4-D1E2C6E84FD1}" type="slidenum">
               <a:rPr lang="zh-CN" altLang="en-US" smtClean="0"/>
               <a:t>‹#›</a:t>
             </a:fld>
@@ -2726,7 +2726,7 @@
     </p:spTree>
     <p:extLst>
       <p:ext uri="{BB962C8B-B14F-4D97-AF65-F5344CB8AC3E}">
-        <p14:creationId xmlns:p14="http://schemas.microsoft.com/office/powerpoint/2010/main" val="2795523429"/>
+        <p14:creationId xmlns:p14="http://schemas.microsoft.com/office/powerpoint/2010/main" val="272103470"/>
       </p:ext>
     </p:extLst>
   </p:cSld>
@@ -2763,7 +2763,7 @@
           <p:cNvPr id="2" name="标题占位符 1">
             <a:extLst>
               <a:ext uri="{FF2B5EF4-FFF2-40B4-BE49-F238E27FC236}">
-                <a16:creationId xmlns:a16="http://schemas.microsoft.com/office/drawing/2014/main" id="{2CD7E826-2C6F-8B4B-A01E-775BD58739A4}"/>
+                <a16:creationId xmlns:a16="http://schemas.microsoft.com/office/drawing/2014/main" id="{38EF8B39-4D3A-56E8-BCB9-9DE1AB64EF03}"/>
               </a:ext>
             </a:extLst>
           </p:cNvPr>
@@ -2801,7 +2801,7 @@
           <p:cNvPr id="3" name="文本占位符 2">
             <a:extLst>
               <a:ext uri="{FF2B5EF4-FFF2-40B4-BE49-F238E27FC236}">
-                <a16:creationId xmlns:a16="http://schemas.microsoft.com/office/drawing/2014/main" id="{0645F0EC-CDAC-C7A5-FBCE-78B2AF35DFAA}"/>
+                <a16:creationId xmlns:a16="http://schemas.microsoft.com/office/drawing/2014/main" id="{42383F03-A9AA-F048-BFDD-5ABD2BEE4787}"/>
               </a:ext>
             </a:extLst>
           </p:cNvPr>
@@ -2868,7 +2868,7 @@
           <p:cNvPr id="4" name="日期占位符 3">
             <a:extLst>
               <a:ext uri="{FF2B5EF4-FFF2-40B4-BE49-F238E27FC236}">
-                <a16:creationId xmlns:a16="http://schemas.microsoft.com/office/drawing/2014/main" id="{1F723692-9B29-B1A3-4AFC-96867D500D1D}"/>
+                <a16:creationId xmlns:a16="http://schemas.microsoft.com/office/drawing/2014/main" id="{0BF26AAA-79BC-6B71-1931-050465657BD4}"/>
               </a:ext>
             </a:extLst>
           </p:cNvPr>
@@ -2902,7 +2902,7 @@
             </a:lvl1pPr>
           </a:lstStyle>
           <a:p>
-            <a:fld id="{D9E577BF-3A92-4451-8FD1-72D63D78ABB6}" type="datetimeFigureOut">
+            <a:fld id="{30CB3DB4-0504-4BEB-B7A4-99F089CF4663}" type="datetimeFigureOut">
               <a:rPr lang="zh-CN" altLang="en-US" smtClean="0"/>
               <a:t>2024/3/10</a:t>
             </a:fld>
@@ -2915,7 +2915,7 @@
           <p:cNvPr id="5" name="页脚占位符 4">
             <a:extLst>
               <a:ext uri="{FF2B5EF4-FFF2-40B4-BE49-F238E27FC236}">
-                <a16:creationId xmlns:a16="http://schemas.microsoft.com/office/drawing/2014/main" id="{57B02A1B-7C00-873C-3952-54B343D88323}"/>
+                <a16:creationId xmlns:a16="http://schemas.microsoft.com/office/drawing/2014/main" id="{D6061776-CA4C-E92F-287C-447872616641}"/>
               </a:ext>
             </a:extLst>
           </p:cNvPr>
@@ -2958,7 +2958,7 @@
           <p:cNvPr id="6" name="灯片编号占位符 5">
             <a:extLst>
               <a:ext uri="{FF2B5EF4-FFF2-40B4-BE49-F238E27FC236}">
-                <a16:creationId xmlns:a16="http://schemas.microsoft.com/office/drawing/2014/main" id="{4041D3FC-4125-9E33-381C-EF965D410DF8}"/>
+                <a16:creationId xmlns:a16="http://schemas.microsoft.com/office/drawing/2014/main" id="{1D888979-0D7B-FF7B-1C57-963100CA5BFD}"/>
               </a:ext>
             </a:extLst>
           </p:cNvPr>
@@ -2992,7 +2992,7 @@
             </a:lvl1pPr>
           </a:lstStyle>
           <a:p>
-            <a:fld id="{ADE56C45-26D3-4785-959B-372B8653A8B8}" type="slidenum">
+            <a:fld id="{83B0A481-A3A6-4872-87C4-D1E2C6E84FD1}" type="slidenum">
               <a:rPr lang="zh-CN" altLang="en-US" smtClean="0"/>
               <a:t>‹#›</a:t>
             </a:fld>
@@ -3003,7 +3003,7 @@
     </p:spTree>
     <p:extLst>
       <p:ext uri="{BB962C8B-B14F-4D97-AF65-F5344CB8AC3E}">
-        <p14:creationId xmlns:p14="http://schemas.microsoft.com/office/powerpoint/2010/main" val="115802125"/>
+        <p14:creationId xmlns:p14="http://schemas.microsoft.com/office/powerpoint/2010/main" val="263726899"/>
       </p:ext>
     </p:extLst>
   </p:cSld>
